--- a/slide_deck/Lake_Michigan_Influences.pptx
+++ b/slide_deck/Lake_Michigan_Influences.pptx
@@ -17,9 +17,11 @@
     <p:sldId id="268" r:id="rId11"/>
     <p:sldId id="269" r:id="rId12"/>
     <p:sldId id="261" r:id="rId13"/>
-    <p:sldId id="262" r:id="rId14"/>
-    <p:sldId id="266" r:id="rId15"/>
-    <p:sldId id="267" r:id="rId16"/>
+    <p:sldId id="274" r:id="rId14"/>
+    <p:sldId id="262" r:id="rId15"/>
+    <p:sldId id="266" r:id="rId16"/>
+    <p:sldId id="275" r:id="rId17"/>
+    <p:sldId id="267" r:id="rId18"/>
   </p:sldIdLst>
   <p:sldSz cx="12192000" cy="6858000"/>
   <p:notesSz cx="6858000" cy="9144000"/>
@@ -7998,8 +8000,8 @@
         </p:nvSpPr>
         <p:spPr>
           <a:xfrm>
-            <a:off x="3098174" y="382993"/>
-            <a:ext cx="4837085" cy="1259952"/>
+            <a:off x="3268134" y="313718"/>
+            <a:ext cx="3353426" cy="973216"/>
           </a:xfrm>
         </p:spPr>
         <p:txBody>
@@ -8009,23 +8011,174 @@
           <a:lstStyle/>
           <a:p>
             <a:r>
-              <a:rPr lang="en-US" sz="4800" smtClean="0"/>
-              <a:t>conclusions</a:t>
-            </a:r>
-            <a:endParaRPr lang="en-US" sz="4800"/>
+              <a:rPr lang="en-US" sz="4800" dirty="0" smtClean="0"/>
+              <a:t>modeling</a:t>
+            </a:r>
+            <a:endParaRPr lang="en-US" sz="4800" dirty="0"/>
+          </a:p>
+        </p:txBody>
+      </p:sp>
+      <p:pic>
+        <p:nvPicPr>
+          <p:cNvPr id="4" name="Content Placeholder 3"/>
+          <p:cNvPicPr>
+            <a:picLocks noGrp="1" noChangeAspect="1"/>
+          </p:cNvPicPr>
+          <p:nvPr>
+            <p:ph sz="quarter" idx="13"/>
+          </p:nvPr>
+        </p:nvPicPr>
+        <p:blipFill>
+          <a:blip r:embed="rId2">
+            <a:extLst>
+              <a:ext uri="{28A0092B-C50C-407E-A947-70E740481C1C}">
+                <a14:useLocalDpi xmlns:a14="http://schemas.microsoft.com/office/drawing/2010/main" val="0"/>
+              </a:ext>
+            </a:extLst>
+          </a:blip>
+          <a:stretch>
+            <a:fillRect/>
+          </a:stretch>
+        </p:blipFill>
+        <p:spPr>
+          <a:xfrm>
+            <a:off x="5431367" y="1520427"/>
+            <a:ext cx="4762500" cy="3416300"/>
+          </a:xfrm>
+        </p:spPr>
+      </p:pic>
+      <p:sp>
+        <p:nvSpPr>
+          <p:cNvPr id="5" name="TextBox 4"/>
+          <p:cNvSpPr txBox="1"/>
+          <p:nvPr/>
+        </p:nvSpPr>
+        <p:spPr>
+          <a:xfrm>
+            <a:off x="778933" y="2319867"/>
+            <a:ext cx="4339008" cy="3416320"/>
+          </a:xfrm>
+          <a:prstGeom prst="rect">
+            <a:avLst/>
+          </a:prstGeom>
+          <a:noFill/>
+        </p:spPr>
+        <p:txBody>
+          <a:bodyPr wrap="none" rtlCol="0">
+            <a:spAutoFit/>
+          </a:bodyPr>
+          <a:lstStyle/>
+          <a:p>
+            <a:r>
+              <a:rPr lang="en-US" sz="2400" dirty="0" smtClean="0"/>
+              <a:t>Other models used:</a:t>
+            </a:r>
+          </a:p>
+          <a:p>
+            <a:pPr marL="285750" indent="-285750">
+              <a:buFont typeface="Arial" charset="0"/>
+              <a:buChar char="•"/>
+            </a:pPr>
+            <a:r>
+              <a:rPr lang="en-US" sz="2400" dirty="0" smtClean="0"/>
+              <a:t>Linear no Poly</a:t>
+            </a:r>
+          </a:p>
+          <a:p>
+            <a:pPr marL="285750" indent="-285750">
+              <a:buFont typeface="Arial" charset="0"/>
+              <a:buChar char="•"/>
+            </a:pPr>
+            <a:r>
+              <a:rPr lang="en-US" sz="2400" dirty="0" smtClean="0"/>
+              <a:t>Linear Grid </a:t>
+            </a:r>
+            <a:r>
+              <a:rPr lang="en-US" sz="2400" dirty="0" err="1" smtClean="0"/>
+              <a:t>Searchs</a:t>
+            </a:r>
+            <a:endParaRPr lang="en-US" sz="2400" dirty="0" smtClean="0"/>
+          </a:p>
+          <a:p>
+            <a:pPr marL="285750" indent="-285750">
+              <a:buFont typeface="Arial" charset="0"/>
+              <a:buChar char="•"/>
+            </a:pPr>
+            <a:r>
+              <a:rPr lang="en-US" sz="2400" dirty="0" smtClean="0"/>
+              <a:t>Regularized</a:t>
+            </a:r>
+          </a:p>
+          <a:p>
+            <a:pPr marL="285750" indent="-285750">
+              <a:buFont typeface="Arial" charset="0"/>
+              <a:buChar char="•"/>
+            </a:pPr>
+            <a:r>
+              <a:rPr lang="en-US" sz="2400" dirty="0" smtClean="0"/>
+              <a:t>Decision Tree</a:t>
+            </a:r>
+          </a:p>
+          <a:p>
+            <a:pPr marL="285750" indent="-285750">
+              <a:buFont typeface="Arial" charset="0"/>
+              <a:buChar char="•"/>
+            </a:pPr>
+            <a:r>
+              <a:rPr lang="en-US" sz="2400" dirty="0" smtClean="0"/>
+              <a:t>Boosted Decision Tree</a:t>
+            </a:r>
+          </a:p>
+          <a:p>
+            <a:pPr marL="285750" indent="-285750">
+              <a:buFont typeface="Arial" charset="0"/>
+              <a:buChar char="•"/>
+            </a:pPr>
+            <a:r>
+              <a:rPr lang="en-US" sz="2400" dirty="0" smtClean="0"/>
+              <a:t>Boosted Random Forest</a:t>
+            </a:r>
+          </a:p>
+          <a:p>
+            <a:pPr marL="285750" indent="-285750">
+              <a:buFont typeface="Arial" charset="0"/>
+              <a:buChar char="•"/>
+            </a:pPr>
+            <a:r>
+              <a:rPr lang="en-US" sz="2400" dirty="0" smtClean="0"/>
+              <a:t>Bagged Random Forest </a:t>
+            </a:r>
+          </a:p>
+          <a:p>
+            <a:pPr marL="285750" indent="-285750">
+              <a:buFont typeface="Arial" charset="0"/>
+              <a:buChar char="•"/>
+            </a:pPr>
+            <a:r>
+              <a:rPr lang="en-US" sz="2400" dirty="0" smtClean="0"/>
+              <a:t>Feed Forward Neural Networks</a:t>
+            </a:r>
+            <a:endParaRPr lang="en-US" sz="2400" dirty="0"/>
           </a:p>
         </p:txBody>
       </p:sp>
     </p:spTree>
     <p:extLst>
       <p:ext uri="{BB962C8B-B14F-4D97-AF65-F5344CB8AC3E}">
-        <p14:creationId xmlns:p14="http://schemas.microsoft.com/office/powerpoint/2010/main" val="923788990"/>
+        <p14:creationId xmlns:p14="http://schemas.microsoft.com/office/powerpoint/2010/main" val="1323029802"/>
       </p:ext>
     </p:extLst>
   </p:cSld>
   <p:clrMapOvr>
     <a:masterClrMapping/>
   </p:clrMapOvr>
+  <p:timing>
+    <p:tnLst>
+      <p:par>
+        <p:cTn id="1" dur="indefinite" restart="never" nodeType="tmRoot"/>
+      </p:par>
+    </p:tnLst>
+  </p:timing>
 </p:sld>
 </file>
 
@@ -8058,8 +8211,8 @@
         </p:nvSpPr>
         <p:spPr>
           <a:xfrm>
-            <a:off x="2844174" y="303758"/>
-            <a:ext cx="5711144" cy="1102706"/>
+            <a:off x="3098174" y="382993"/>
+            <a:ext cx="4837085" cy="1259952"/>
           </a:xfrm>
         </p:spPr>
         <p:txBody>
@@ -8069,10 +8222,352 @@
           <a:lstStyle/>
           <a:p>
             <a:r>
+              <a:rPr lang="en-US" sz="4800" smtClean="0"/>
+              <a:t>conclusions</a:t>
+            </a:r>
+            <a:endParaRPr lang="en-US" sz="4800"/>
+          </a:p>
+        </p:txBody>
+      </p:sp>
+      <p:sp>
+        <p:nvSpPr>
+          <p:cNvPr id="5" name="TextBox 4"/>
+          <p:cNvSpPr txBox="1"/>
+          <p:nvPr/>
+        </p:nvSpPr>
+        <p:spPr>
+          <a:xfrm>
+            <a:off x="372533" y="2629131"/>
+            <a:ext cx="11249746" cy="3785652"/>
+          </a:xfrm>
+          <a:prstGeom prst="rect">
+            <a:avLst/>
+          </a:prstGeom>
+          <a:noFill/>
+        </p:spPr>
+        <p:txBody>
+          <a:bodyPr wrap="none" rtlCol="0">
+            <a:spAutoFit/>
+          </a:bodyPr>
+          <a:lstStyle/>
+          <a:p>
+            <a:pPr marL="342900" indent="-342900">
+              <a:buFont typeface="+mj-lt"/>
+              <a:buAutoNum type="arabicPeriod"/>
+            </a:pPr>
+            <a:r>
+              <a:rPr lang="en-US" sz="2400" dirty="0"/>
+              <a:t>Existence of significant differences in temperature? </a:t>
+            </a:r>
+            <a:endParaRPr lang="en-US" sz="2400" dirty="0" smtClean="0"/>
+          </a:p>
+          <a:p>
+            <a:pPr marL="342900" indent="-342900">
+              <a:buFont typeface="+mj-lt"/>
+              <a:buAutoNum type="arabicPeriod"/>
+            </a:pPr>
+            <a:endParaRPr lang="en-US" sz="2400" dirty="0" smtClean="0"/>
+          </a:p>
+          <a:p>
+            <a:r>
+              <a:rPr lang="en-US" sz="2400" dirty="0" smtClean="0"/>
+              <a:t>	- Even </a:t>
+            </a:r>
+            <a:r>
+              <a:rPr lang="en-US" sz="2400" dirty="0"/>
+              <a:t>though there is a relatively close proximity between the two locations in the </a:t>
+            </a:r>
+          </a:p>
+          <a:p>
+            <a:r>
+              <a:rPr lang="en-US" sz="2400" dirty="0" smtClean="0"/>
+              <a:t>	Greater </a:t>
+            </a:r>
+            <a:r>
+              <a:rPr lang="en-US" sz="2400" dirty="0"/>
+              <a:t>Chicagoland area, there are indications that temperature differences do </a:t>
+            </a:r>
+            <a:r>
+              <a:rPr lang="en-US" sz="2400" dirty="0" smtClean="0"/>
+              <a:t>exist</a:t>
+            </a:r>
+          </a:p>
+          <a:p>
+            <a:r>
+              <a:rPr lang="en-US" sz="2400" dirty="0"/>
+              <a:t>	</a:t>
+            </a:r>
+            <a:r>
+              <a:rPr lang="en-US" sz="2400" dirty="0" smtClean="0"/>
+              <a:t>under certain weather conditions.  </a:t>
+            </a:r>
+          </a:p>
+          <a:p>
+            <a:endParaRPr lang="en-US" sz="2400" dirty="0"/>
+          </a:p>
+          <a:p>
+            <a:r>
+              <a:rPr lang="en-US" sz="2400" dirty="0" smtClean="0"/>
+              <a:t>2.  Can </a:t>
+            </a:r>
+            <a:r>
+              <a:rPr lang="en-US" sz="2400" dirty="0"/>
+              <a:t>a predictive model that explains at least 80% of the variance in the precipitation </a:t>
+            </a:r>
+            <a:endParaRPr lang="en-US" sz="2400" dirty="0" smtClean="0"/>
+          </a:p>
+          <a:p>
+            <a:r>
+              <a:rPr lang="en-US" sz="2400" dirty="0" smtClean="0"/>
+              <a:t>	differences </a:t>
+            </a:r>
+            <a:r>
+              <a:rPr lang="en-US" sz="2400" dirty="0"/>
+              <a:t>be constructed?</a:t>
+            </a:r>
+          </a:p>
+          <a:p>
+            <a:r>
+              <a:rPr lang="en-US" sz="2400" dirty="0" smtClean="0"/>
+              <a:t>	- Not when comparing only the Chicago Botanical Gardens and O’Hare airport over </a:t>
+            </a:r>
+          </a:p>
+          <a:p>
+            <a:r>
+              <a:rPr lang="en-US" sz="2400" dirty="0"/>
+              <a:t>	</a:t>
+            </a:r>
+            <a:r>
+              <a:rPr lang="en-US" sz="2400" dirty="0" smtClean="0"/>
+              <a:t>years 1995-2018.</a:t>
+            </a:r>
+            <a:endParaRPr lang="en-US" sz="2400" dirty="0"/>
+          </a:p>
+        </p:txBody>
+      </p:sp>
+    </p:spTree>
+    <p:extLst>
+      <p:ext uri="{BB962C8B-B14F-4D97-AF65-F5344CB8AC3E}">
+        <p14:creationId xmlns:p14="http://schemas.microsoft.com/office/powerpoint/2010/main" val="923788990"/>
+      </p:ext>
+    </p:extLst>
+  </p:cSld>
+  <p:clrMapOvr>
+    <a:masterClrMapping/>
+  </p:clrMapOvr>
+  <p:timing>
+    <p:tnLst>
+      <p:par>
+        <p:cTn id="1" dur="indefinite" restart="never" nodeType="tmRoot"/>
+      </p:par>
+    </p:tnLst>
+  </p:timing>
+</p:sld>
+</file>
+
+<file path=ppt/slides/slide15.xml><?xml version="1.0" encoding="utf-8"?>
+<p:sld xmlns:a="http://schemas.openxmlformats.org/drawingml/2006/main" xmlns:r="http://schemas.openxmlformats.org/officeDocument/2006/relationships" xmlns:p="http://schemas.openxmlformats.org/presentationml/2006/main">
+  <p:cSld>
+    <p:spTree>
+      <p:nvGrpSpPr>
+        <p:cNvPr id="1" name=""/>
+        <p:cNvGrpSpPr/>
+        <p:nvPr/>
+      </p:nvGrpSpPr>
+      <p:grpSpPr>
+        <a:xfrm>
+          <a:off x="0" y="0"/>
+          <a:ext cx="0" cy="0"/>
+          <a:chOff x="0" y="0"/>
+          <a:chExt cx="0" cy="0"/>
+        </a:xfrm>
+      </p:grpSpPr>
+      <p:sp>
+        <p:nvSpPr>
+          <p:cNvPr id="2" name="Title 1"/>
+          <p:cNvSpPr>
+            <a:spLocks noGrp="1"/>
+          </p:cNvSpPr>
+          <p:nvPr>
+            <p:ph type="title"/>
+          </p:nvPr>
+        </p:nvSpPr>
+        <p:spPr>
+          <a:xfrm>
+            <a:off x="2844174" y="303758"/>
+            <a:ext cx="5711144" cy="1102706"/>
+          </a:xfrm>
+        </p:spPr>
+        <p:txBody>
+          <a:bodyPr>
+            <a:normAutofit/>
+          </a:bodyPr>
+          <a:lstStyle/>
+          <a:p>
+            <a:r>
               <a:rPr lang="en-US" sz="4800" dirty="0" smtClean="0"/>
               <a:t>Future iterations</a:t>
             </a:r>
             <a:endParaRPr lang="en-US" sz="4800" dirty="0"/>
+          </a:p>
+        </p:txBody>
+      </p:sp>
+      <p:sp>
+        <p:nvSpPr>
+          <p:cNvPr id="4" name="TextBox 3"/>
+          <p:cNvSpPr txBox="1"/>
+          <p:nvPr/>
+        </p:nvSpPr>
+        <p:spPr>
+          <a:xfrm>
+            <a:off x="905042" y="1608667"/>
+            <a:ext cx="10621690" cy="1200329"/>
+          </a:xfrm>
+          <a:prstGeom prst="rect">
+            <a:avLst/>
+          </a:prstGeom>
+          <a:noFill/>
+        </p:spPr>
+        <p:txBody>
+          <a:bodyPr wrap="none" rtlCol="0">
+            <a:spAutoFit/>
+          </a:bodyPr>
+          <a:lstStyle/>
+          <a:p>
+            <a:pPr marL="457200" indent="-457200">
+              <a:buFont typeface="Arial" charset="0"/>
+              <a:buChar char="•"/>
+            </a:pPr>
+            <a:r>
+              <a:rPr lang="en-US" sz="2400" dirty="0" smtClean="0"/>
+              <a:t>The significant differences in temperature when there is similar precipitation </a:t>
+            </a:r>
+          </a:p>
+          <a:p>
+            <a:r>
+              <a:rPr lang="en-US" sz="2400" dirty="0"/>
+              <a:t>a</a:t>
+            </a:r>
+            <a:r>
+              <a:rPr lang="en-US" sz="2400" dirty="0" smtClean="0"/>
+              <a:t>ctivity at both the Gardens and O’Hare should be investigated further.  It is possible</a:t>
+            </a:r>
+          </a:p>
+          <a:p>
+            <a:r>
+              <a:rPr lang="en-US" sz="2400" dirty="0" smtClean="0"/>
+              <a:t>That there is a seasonal component. </a:t>
+            </a:r>
+            <a:endParaRPr lang="en-US" sz="2400" dirty="0"/>
+          </a:p>
+        </p:txBody>
+      </p:sp>
+      <p:sp>
+        <p:nvSpPr>
+          <p:cNvPr id="5" name="TextBox 4"/>
+          <p:cNvSpPr txBox="1"/>
+          <p:nvPr/>
+        </p:nvSpPr>
+        <p:spPr>
+          <a:xfrm>
+            <a:off x="905042" y="4413731"/>
+            <a:ext cx="10834248" cy="1569660"/>
+          </a:xfrm>
+          <a:prstGeom prst="rect">
+            <a:avLst/>
+          </a:prstGeom>
+          <a:noFill/>
+        </p:spPr>
+        <p:txBody>
+          <a:bodyPr wrap="none" rtlCol="0">
+            <a:spAutoFit/>
+          </a:bodyPr>
+          <a:lstStyle/>
+          <a:p>
+            <a:pPr marL="342900" indent="-342900">
+              <a:buFont typeface="Arial" charset="0"/>
+              <a:buChar char="•"/>
+            </a:pPr>
+            <a:r>
+              <a:rPr lang="en-US" sz="2400" dirty="0" smtClean="0"/>
+              <a:t>Include more data for modeling.  There are hundreds of weather towers, </a:t>
+            </a:r>
+          </a:p>
+          <a:p>
+            <a:r>
+              <a:rPr lang="en-US" sz="2400" dirty="0" smtClean="0"/>
+              <a:t>192 in the Chicagoland area.  The next model constructions will be </a:t>
+            </a:r>
+            <a:r>
+              <a:rPr lang="en-US" sz="2400" dirty="0" err="1" smtClean="0"/>
+              <a:t>spatio</a:t>
+            </a:r>
+            <a:r>
+              <a:rPr lang="en-US" sz="2400" dirty="0" smtClean="0"/>
+              <a:t>-temporal</a:t>
+            </a:r>
+          </a:p>
+          <a:p>
+            <a:r>
+              <a:rPr lang="en-US" sz="2400" dirty="0"/>
+              <a:t>i</a:t>
+            </a:r>
+            <a:r>
+              <a:rPr lang="en-US" sz="2400" dirty="0" smtClean="0"/>
+              <a:t>n nature, utilizing a much wider berth of data to build temperature fields that capture</a:t>
+            </a:r>
+          </a:p>
+          <a:p>
+            <a:r>
+              <a:rPr lang="en-US" sz="2400" dirty="0" smtClean="0"/>
+              <a:t>trends over a larger area.  </a:t>
+            </a:r>
+          </a:p>
+        </p:txBody>
+      </p:sp>
+      <p:sp>
+        <p:nvSpPr>
+          <p:cNvPr id="6" name="TextBox 5"/>
+          <p:cNvSpPr txBox="1"/>
+          <p:nvPr/>
+        </p:nvSpPr>
+        <p:spPr>
+          <a:xfrm>
+            <a:off x="905042" y="3011199"/>
+            <a:ext cx="10600979" cy="1200329"/>
+          </a:xfrm>
+          <a:prstGeom prst="rect">
+            <a:avLst/>
+          </a:prstGeom>
+          <a:noFill/>
+        </p:spPr>
+        <p:txBody>
+          <a:bodyPr wrap="none" rtlCol="0">
+            <a:spAutoFit/>
+          </a:bodyPr>
+          <a:lstStyle/>
+          <a:p>
+            <a:pPr marL="342900" indent="-342900">
+              <a:buFont typeface="Arial" charset="0"/>
+              <a:buChar char="•"/>
+            </a:pPr>
+            <a:r>
+              <a:rPr lang="en-US" sz="2400" dirty="0" smtClean="0"/>
+              <a:t>A similar comparison between other locations close Lake Michigan and the airport </a:t>
+            </a:r>
+          </a:p>
+          <a:p>
+            <a:r>
+              <a:rPr lang="en-US" sz="2400" dirty="0" smtClean="0"/>
+              <a:t>should also be performed to determine whether this difference is truly a large </a:t>
+            </a:r>
+          </a:p>
+          <a:p>
+            <a:r>
+              <a:rPr lang="en-US" sz="2400" dirty="0" smtClean="0"/>
+              <a:t>scale trend.</a:t>
+            </a:r>
+            <a:endParaRPr lang="en-US" sz="2400" dirty="0"/>
           </a:p>
         </p:txBody>
       </p:sp>
@@ -8089,7 +8584,137 @@
 </p:sld>
 </file>
 
-<file path=ppt/slides/slide15.xml><?xml version="1.0" encoding="utf-8"?>
+<file path=ppt/slides/slide16.xml><?xml version="1.0" encoding="utf-8"?>
+<p:sld xmlns:a="http://schemas.openxmlformats.org/drawingml/2006/main" xmlns:r="http://schemas.openxmlformats.org/officeDocument/2006/relationships" xmlns:p="http://schemas.openxmlformats.org/presentationml/2006/main">
+  <p:cSld>
+    <p:spTree>
+      <p:nvGrpSpPr>
+        <p:cNvPr id="1" name=""/>
+        <p:cNvGrpSpPr/>
+        <p:nvPr/>
+      </p:nvGrpSpPr>
+      <p:grpSpPr>
+        <a:xfrm>
+          <a:off x="0" y="0"/>
+          <a:ext cx="0" cy="0"/>
+          <a:chOff x="0" y="0"/>
+          <a:chExt cx="0" cy="0"/>
+        </a:xfrm>
+      </p:grpSpPr>
+      <p:sp>
+        <p:nvSpPr>
+          <p:cNvPr id="2" name="Title 1"/>
+          <p:cNvSpPr>
+            <a:spLocks noGrp="1"/>
+          </p:cNvSpPr>
+          <p:nvPr>
+            <p:ph type="title"/>
+          </p:nvPr>
+        </p:nvSpPr>
+        <p:spPr>
+          <a:xfrm>
+            <a:off x="575108" y="1151061"/>
+            <a:ext cx="5233025" cy="1159483"/>
+          </a:xfrm>
+        </p:spPr>
+        <p:txBody>
+          <a:bodyPr>
+            <a:normAutofit/>
+          </a:bodyPr>
+          <a:lstStyle/>
+          <a:p>
+            <a:r>
+              <a:rPr lang="en-US" sz="4800" dirty="0" smtClean="0"/>
+              <a:t>Tux says</a:t>
+            </a:r>
+            <a:r>
+              <a:rPr lang="en-US" sz="4800" smtClean="0"/>
+              <a:t>, Thanks!</a:t>
+            </a:r>
+            <a:endParaRPr lang="en-US" sz="4800" dirty="0"/>
+          </a:p>
+        </p:txBody>
+      </p:sp>
+      <p:sp>
+        <p:nvSpPr>
+          <p:cNvPr id="4" name="TextBox 3"/>
+          <p:cNvSpPr txBox="1"/>
+          <p:nvPr/>
+        </p:nvSpPr>
+        <p:spPr>
+          <a:xfrm>
+            <a:off x="760507" y="2963335"/>
+            <a:ext cx="4862228" cy="954107"/>
+          </a:xfrm>
+          <a:prstGeom prst="rect">
+            <a:avLst/>
+          </a:prstGeom>
+          <a:noFill/>
+        </p:spPr>
+        <p:txBody>
+          <a:bodyPr wrap="none" rtlCol="0">
+            <a:spAutoFit/>
+          </a:bodyPr>
+          <a:lstStyle/>
+          <a:p>
+            <a:r>
+              <a:rPr lang="en-US" sz="2800" dirty="0" smtClean="0"/>
+              <a:t>For preparing him to go into the </a:t>
+            </a:r>
+          </a:p>
+          <a:p>
+            <a:r>
+              <a:rPr lang="en-US" sz="2800" dirty="0" smtClean="0"/>
+              <a:t>wild world of data!</a:t>
+            </a:r>
+            <a:endParaRPr lang="en-US" sz="2800" dirty="0"/>
+          </a:p>
+        </p:txBody>
+      </p:sp>
+      <p:pic>
+        <p:nvPicPr>
+          <p:cNvPr id="5" name="Picture 4"/>
+          <p:cNvPicPr>
+            <a:picLocks noChangeAspect="1"/>
+          </p:cNvPicPr>
+          <p:nvPr/>
+        </p:nvPicPr>
+        <p:blipFill>
+          <a:blip r:embed="rId2">
+            <a:extLst>
+              <a:ext uri="{28A0092B-C50C-407E-A947-70E740481C1C}">
+                <a14:useLocalDpi xmlns:a14="http://schemas.microsoft.com/office/drawing/2010/main" val="0"/>
+              </a:ext>
+            </a:extLst>
+          </a:blip>
+          <a:stretch>
+            <a:fillRect/>
+          </a:stretch>
+        </p:blipFill>
+        <p:spPr>
+          <a:xfrm>
+            <a:off x="6627243" y="503991"/>
+            <a:ext cx="4085167" cy="5571067"/>
+          </a:xfrm>
+          <a:prstGeom prst="rect">
+            <a:avLst/>
+          </a:prstGeom>
+        </p:spPr>
+      </p:pic>
+    </p:spTree>
+    <p:extLst>
+      <p:ext uri="{BB962C8B-B14F-4D97-AF65-F5344CB8AC3E}">
+        <p14:creationId xmlns:p14="http://schemas.microsoft.com/office/powerpoint/2010/main" val="1940669635"/>
+      </p:ext>
+    </p:extLst>
+  </p:cSld>
+  <p:clrMapOvr>
+    <a:masterClrMapping/>
+  </p:clrMapOvr>
+</p:sld>
+</file>
+
+<file path=ppt/slides/slide17.xml><?xml version="1.0" encoding="utf-8"?>
 <p:sld xmlns:a="http://schemas.openxmlformats.org/drawingml/2006/main" xmlns:r="http://schemas.openxmlformats.org/officeDocument/2006/relationships" xmlns:p="http://schemas.openxmlformats.org/presentationml/2006/main">
   <p:cSld>
     <p:spTree>
@@ -8729,7 +9354,7 @@
         <p:spPr>
           <a:xfrm>
             <a:off x="913775" y="4419600"/>
-            <a:ext cx="7102201" cy="830997"/>
+            <a:ext cx="6805902" cy="830997"/>
           </a:xfrm>
           <a:prstGeom prst="rect">
             <a:avLst/>
@@ -8758,9 +9383,67 @@
             </a:r>
             <a:r>
               <a:rPr lang="en-US" sz="2400" dirty="0" smtClean="0"/>
-              <a:t>Average Daily Temperatures of Each Great Lake</a:t>
+              <a:t>Average Daily Temperatures of Lake Michigan</a:t>
             </a:r>
             <a:endParaRPr lang="en-US" sz="2400" dirty="0"/>
+          </a:p>
+        </p:txBody>
+      </p:sp>
+      <p:sp>
+        <p:nvSpPr>
+          <p:cNvPr id="6" name="TextBox 5"/>
+          <p:cNvSpPr txBox="1"/>
+          <p:nvPr/>
+        </p:nvSpPr>
+        <p:spPr>
+          <a:xfrm>
+            <a:off x="7315200" y="2735196"/>
+            <a:ext cx="2701509" cy="1384995"/>
+          </a:xfrm>
+          <a:prstGeom prst="rect">
+            <a:avLst/>
+          </a:prstGeom>
+          <a:noFill/>
+        </p:spPr>
+        <p:txBody>
+          <a:bodyPr wrap="none" rtlCol="0">
+            <a:spAutoFit/>
+          </a:bodyPr>
+          <a:lstStyle/>
+          <a:p>
+            <a:r>
+              <a:rPr lang="en-US" sz="2800" dirty="0" smtClean="0"/>
+              <a:t>Years considered:</a:t>
+            </a:r>
+          </a:p>
+          <a:p>
+            <a:pPr marL="457200" indent="-457200">
+              <a:buFont typeface="Arial" charset="0"/>
+              <a:buChar char="•"/>
+            </a:pPr>
+            <a:r>
+              <a:rPr lang="en-US" sz="2800" dirty="0" smtClean="0"/>
+              <a:t>1995 </a:t>
+            </a:r>
+            <a:r>
+              <a:rPr lang="mr-IN" sz="2800" dirty="0" smtClean="0"/>
+              <a:t>–</a:t>
+            </a:r>
+            <a:r>
+              <a:rPr lang="en-US" sz="2800" dirty="0" smtClean="0"/>
+              <a:t> 2018</a:t>
+            </a:r>
+          </a:p>
+          <a:p>
+            <a:pPr marL="457200" indent="-457200">
+              <a:buFont typeface="Arial" charset="0"/>
+              <a:buChar char="•"/>
+            </a:pPr>
+            <a:r>
+              <a:rPr lang="en-US" sz="2800" dirty="0" smtClean="0"/>
+              <a:t>8766 days</a:t>
+            </a:r>
+            <a:endParaRPr lang="en-US" sz="2800" dirty="0"/>
           </a:p>
         </p:txBody>
       </p:sp>
@@ -8774,6 +9457,13 @@
   <p:clrMapOvr>
     <a:masterClrMapping/>
   </p:clrMapOvr>
+  <p:timing>
+    <p:tnLst>
+      <p:par>
+        <p:cTn id="1" dur="indefinite" restart="never" nodeType="tmRoot"/>
+      </p:par>
+    </p:tnLst>
+  </p:timing>
 </p:sld>
 </file>
 
@@ -8875,7 +9565,7 @@
             </a:r>
             <a:r>
               <a:rPr lang="en-US" sz="2400" dirty="0" smtClean="0"/>
-              <a:t>gardens</a:t>
+              <a:t>Chicago Botanical Gardens</a:t>
             </a:r>
             <a:endParaRPr lang="en-US" sz="2400" dirty="0"/>
           </a:p>
@@ -9061,6 +9751,13 @@
   <p:clrMapOvr>
     <a:masterClrMapping/>
   </p:clrMapOvr>
+  <p:timing>
+    <p:tnLst>
+      <p:par>
+        <p:cTn id="1" dur="indefinite" restart="never" nodeType="tmRoot"/>
+      </p:par>
+    </p:tnLst>
+  </p:timing>
 </p:sld>
 </file>
 

--- a/slide_deck/Lake_Michigan_Influences.pptx
+++ b/slide_deck/Lake_Michigan_Influences.pptx
@@ -120,6 +120,11 @@
       </a:defRPr>
     </a:lvl9pPr>
   </p:defaultTextStyle>
+  <p:extLst>
+    <p:ext uri="{EFAFB233-063F-42B5-8137-9DF3F51BA10A}">
+      <p15:sldGuideLst xmlns:p15="http://schemas.microsoft.com/office/powerpoint/2012/main"/>
+    </p:ext>
+  </p:extLst>
 </p:presentation>
 </file>
 

--- a/slide_deck/Lake_Michigan_Influences.pptx
+++ b/slide_deck/Lake_Michigan_Influences.pptx
@@ -299,7 +299,7 @@
           <a:p>
             <a:fld id="{48A87A34-81AB-432B-8DAE-1953F412C126}" type="datetimeFigureOut">
               <a:rPr lang="en-US" dirty="0"/>
-              <a:t>5/17/19</a:t>
+              <a:t>5/18/19</a:t>
             </a:fld>
             <a:endParaRPr lang="en-US" dirty="0"/>
           </a:p>
@@ -606,7 +606,7 @@
           <a:p>
             <a:fld id="{48A87A34-81AB-432B-8DAE-1953F412C126}" type="datetimeFigureOut">
               <a:rPr lang="en-US" dirty="0"/>
-              <a:t>5/17/19</a:t>
+              <a:t>5/18/19</a:t>
             </a:fld>
             <a:endParaRPr lang="en-US" dirty="0"/>
           </a:p>
@@ -823,7 +823,7 @@
           <a:p>
             <a:fld id="{48A87A34-81AB-432B-8DAE-1953F412C126}" type="datetimeFigureOut">
               <a:rPr lang="en-US" dirty="0"/>
-              <a:t>5/17/19</a:t>
+              <a:t>5/18/19</a:t>
             </a:fld>
             <a:endParaRPr lang="en-US" dirty="0"/>
           </a:p>
@@ -1109,7 +1109,7 @@
           <a:p>
             <a:fld id="{48A87A34-81AB-432B-8DAE-1953F412C126}" type="datetimeFigureOut">
               <a:rPr lang="en-US" dirty="0"/>
-              <a:t>5/17/19</a:t>
+              <a:t>5/18/19</a:t>
             </a:fld>
             <a:endParaRPr lang="en-US" dirty="0"/>
           </a:p>
@@ -1558,7 +1558,7 @@
           <a:p>
             <a:fld id="{48A87A34-81AB-432B-8DAE-1953F412C126}" type="datetimeFigureOut">
               <a:rPr lang="en-US" dirty="0"/>
-              <a:t>5/17/19</a:t>
+              <a:t>5/18/19</a:t>
             </a:fld>
             <a:endParaRPr lang="en-US" dirty="0"/>
           </a:p>
@@ -2129,7 +2129,7 @@
           <a:p>
             <a:fld id="{48A87A34-81AB-432B-8DAE-1953F412C126}" type="datetimeFigureOut">
               <a:rPr lang="en-US" dirty="0"/>
-              <a:t>5/17/19</a:t>
+              <a:t>5/18/19</a:t>
             </a:fld>
             <a:endParaRPr lang="en-US" dirty="0"/>
           </a:p>
@@ -2976,7 +2976,7 @@
           <a:p>
             <a:fld id="{48A87A34-81AB-432B-8DAE-1953F412C126}" type="datetimeFigureOut">
               <a:rPr lang="en-US" dirty="0"/>
-              <a:t>5/17/19</a:t>
+              <a:t>5/18/19</a:t>
             </a:fld>
             <a:endParaRPr lang="en-US" dirty="0"/>
           </a:p>
@@ -3176,7 +3176,7 @@
           <a:p>
             <a:fld id="{48A87A34-81AB-432B-8DAE-1953F412C126}" type="datetimeFigureOut">
               <a:rPr lang="en-US" dirty="0"/>
-              <a:t>5/17/19</a:t>
+              <a:t>5/18/19</a:t>
             </a:fld>
             <a:endParaRPr lang="en-US" dirty="0"/>
           </a:p>
@@ -3385,7 +3385,7 @@
           <a:p>
             <a:fld id="{48A87A34-81AB-432B-8DAE-1953F412C126}" type="datetimeFigureOut">
               <a:rPr lang="en-US" dirty="0"/>
-              <a:t>5/17/19</a:t>
+              <a:t>5/18/19</a:t>
             </a:fld>
             <a:endParaRPr lang="en-US" dirty="0"/>
           </a:p>
@@ -3585,7 +3585,7 @@
           <a:p>
             <a:fld id="{48A87A34-81AB-432B-8DAE-1953F412C126}" type="datetimeFigureOut">
               <a:rPr lang="en-US" dirty="0"/>
-              <a:t>5/17/19</a:t>
+              <a:t>5/18/19</a:t>
             </a:fld>
             <a:endParaRPr lang="en-US" dirty="0"/>
           </a:p>
@@ -3860,7 +3860,7 @@
           <a:p>
             <a:fld id="{48A87A34-81AB-432B-8DAE-1953F412C126}" type="datetimeFigureOut">
               <a:rPr lang="en-US" dirty="0"/>
-              <a:t>5/17/19</a:t>
+              <a:t>5/18/19</a:t>
             </a:fld>
             <a:endParaRPr lang="en-US" dirty="0"/>
           </a:p>
@@ -4122,7 +4122,7 @@
           <a:p>
             <a:fld id="{48A87A34-81AB-432B-8DAE-1953F412C126}" type="datetimeFigureOut">
               <a:rPr lang="en-US" dirty="0"/>
-              <a:t>5/17/19</a:t>
+              <a:t>5/18/19</a:t>
             </a:fld>
             <a:endParaRPr lang="en-US" dirty="0"/>
           </a:p>
@@ -4532,7 +4532,7 @@
           <a:p>
             <a:fld id="{48A87A34-81AB-432B-8DAE-1953F412C126}" type="datetimeFigureOut">
               <a:rPr lang="en-US" dirty="0"/>
-              <a:t>5/17/19</a:t>
+              <a:t>5/18/19</a:t>
             </a:fld>
             <a:endParaRPr lang="en-US" dirty="0"/>
           </a:p>
@@ -4675,7 +4675,7 @@
           <a:p>
             <a:fld id="{48A87A34-81AB-432B-8DAE-1953F412C126}" type="datetimeFigureOut">
               <a:rPr lang="en-US" dirty="0"/>
-              <a:t>5/17/19</a:t>
+              <a:t>5/18/19</a:t>
             </a:fld>
             <a:endParaRPr lang="en-US" dirty="0"/>
           </a:p>
@@ -4795,7 +4795,7 @@
           <a:p>
             <a:fld id="{48A87A34-81AB-432B-8DAE-1953F412C126}" type="datetimeFigureOut">
               <a:rPr lang="en-US" dirty="0"/>
-              <a:t>5/17/19</a:t>
+              <a:t>5/18/19</a:t>
             </a:fld>
             <a:endParaRPr lang="en-US" dirty="0"/>
           </a:p>
@@ -5069,7 +5069,7 @@
           <a:p>
             <a:fld id="{48A87A34-81AB-432B-8DAE-1953F412C126}" type="datetimeFigureOut">
               <a:rPr lang="en-US" dirty="0"/>
-              <a:t>5/17/19</a:t>
+              <a:t>5/18/19</a:t>
             </a:fld>
             <a:endParaRPr lang="en-US" dirty="0"/>
           </a:p>
@@ -5376,7 +5376,7 @@
           <a:p>
             <a:fld id="{48A87A34-81AB-432B-8DAE-1953F412C126}" type="datetimeFigureOut">
               <a:rPr lang="en-US" dirty="0"/>
-              <a:t>5/17/19</a:t>
+              <a:t>5/18/19</a:t>
             </a:fld>
             <a:endParaRPr lang="en-US" dirty="0"/>
           </a:p>
@@ -5625,7 +5625,7 @@
             <a:fld id="{48A87A34-81AB-432B-8DAE-1953F412C126}" type="datetimeFigureOut">
               <a:rPr lang="en-US" dirty="0"/>
               <a:pPr/>
-              <a:t>5/17/19</a:t>
+              <a:t>5/18/19</a:t>
             </a:fld>
             <a:endParaRPr lang="en-US" dirty="0"/>
           </a:p>
